--- a/proposal/defaultRates.pptx
+++ b/proposal/defaultRates.pptx
@@ -17763,7 +17763,7 @@
               <a:latin typeface="Calibri" panose="020F0502020204030204" pitchFamily="34" charset="0"/>
               <a:cs typeface="Calibri" panose="020F0502020204030204" pitchFamily="34" charset="0"/>
             </a:rPr>
-            <a:t> FY 2009               FY 2010              FY 2011      </a:t>
+            <a:t>       FY 2009               FY 2010              FY 2011      </a:t>
           </a:r>
           <a:r>
             <a:rPr lang="en-US" sz="1400" i="0" dirty="0">
@@ -17797,11 +17797,14 @@
           </a:endParaRPr>
         </a:p>
         <a:p xmlns:a="http://schemas.openxmlformats.org/drawingml/2006/main">
-          <a:endParaRPr lang="en-US" sz="1100" dirty="0">
-            <a:solidFill>
-              <a:schemeClr val="tx1"/>
-            </a:solidFill>
-          </a:endParaRPr>
+          <a:r>
+            <a:rPr lang="en-US" sz="1100" dirty="0">
+              <a:solidFill>
+                <a:schemeClr val="tx1"/>
+              </a:solidFill>
+            </a:rPr>
+            <a:t>    </a:t>
+          </a:r>
         </a:p>
       </cdr:txBody>
     </cdr:sp>
@@ -25887,6 +25890,48 @@
             <a:solidFill>
               <a:schemeClr val="tx1"/>
             </a:solidFill>
+            <a:tailEnd type="triangle"/>
+          </a:ln>
+        </p:spPr>
+        <p:style>
+          <a:lnRef idx="1">
+            <a:schemeClr val="dk1"/>
+          </a:lnRef>
+          <a:fillRef idx="0">
+            <a:schemeClr val="dk1"/>
+          </a:fillRef>
+          <a:effectRef idx="0">
+            <a:schemeClr val="dk1"/>
+          </a:effectRef>
+          <a:fontRef idx="minor">
+            <a:schemeClr val="tx1"/>
+          </a:fontRef>
+        </p:style>
+      </p:cxnSp>
+      <p:cxnSp>
+        <p:nvCxnSpPr>
+          <p:cNvPr id="8" name="Elbow Connector 7">
+            <a:extLst>
+              <a:ext uri="{FF2B5EF4-FFF2-40B4-BE49-F238E27FC236}">
+                <a16:creationId xmlns:a16="http://schemas.microsoft.com/office/drawing/2014/main" id="{0774F6F2-0CAD-7046-BAAF-E405A2CFFBB6}"/>
+              </a:ext>
+            </a:extLst>
+          </p:cNvPr>
+          <p:cNvCxnSpPr>
+            <a:stCxn id="14" idx="0"/>
+            <a:endCxn id="9" idx="2"/>
+          </p:cNvCxnSpPr>
+          <p:nvPr/>
+        </p:nvCxnSpPr>
+        <p:spPr>
+          <a:xfrm rot="5400000" flipH="1" flipV="1">
+            <a:off x="3446596" y="550892"/>
+            <a:ext cx="510684" cy="3760340"/>
+          </a:xfrm>
+          <a:prstGeom prst="bentConnector3">
+            <a:avLst/>
+          </a:prstGeom>
+          <a:ln w="19050">
             <a:tailEnd type="triangle"/>
           </a:ln>
         </p:spPr>
@@ -42857,7 +42902,7 @@
           <p:nvPr>
             <p:extLst>
               <p:ext uri="{D42A27DB-BD31-4B8C-83A1-F6EECF244321}">
-                <p14:modId xmlns:p14="http://schemas.microsoft.com/office/powerpoint/2010/main" val="2399179040"/>
+                <p14:modId xmlns:p14="http://schemas.microsoft.com/office/powerpoint/2010/main" val="2535436254"/>
               </p:ext>
             </p:extLst>
           </p:nvPr>
